--- a/第6节课/01ppt/P1-6第六节.pptx
+++ b/第6节课/01ppt/P1-6第六节.pptx
@@ -10668,7 +10668,7 @@
             <a:r>
               <a:rPr sz="2000">
                 <a:solidFill>
-                  <a:srgbClr val="0070C0"/>
+                  <a:schemeClr val="tx1"/>
                 </a:solidFill>
                 <a:effectLst>
                   <a:outerShdw blurRad="38100" dist="25400" dir="5400000" algn="ctr" rotWithShape="0">
@@ -10686,7 +10686,7 @@
             </a:r>
             <a:endParaRPr sz="2000">
               <a:solidFill>
-                <a:srgbClr val="0070C0"/>
+                <a:schemeClr val="tx1"/>
               </a:solidFill>
               <a:effectLst>
                 <a:outerShdw blurRad="38100" dist="25400" dir="5400000" algn="ctr" rotWithShape="0">
@@ -10712,7 +10712,7 @@
             <a:r>
               <a:rPr sz="2000">
                 <a:solidFill>
-                  <a:srgbClr val="0070C0"/>
+                  <a:schemeClr val="tx1"/>
                 </a:solidFill>
                 <a:effectLst>
                   <a:outerShdw blurRad="38100" dist="25400" dir="5400000" algn="ctr" rotWithShape="0">
@@ -10730,7 +10730,7 @@
             </a:r>
             <a:endParaRPr sz="2000">
               <a:solidFill>
-                <a:srgbClr val="0070C0"/>
+                <a:schemeClr val="tx1"/>
               </a:solidFill>
               <a:effectLst>
                 <a:outerShdw blurRad="38100" dist="25400" dir="5400000" algn="ctr" rotWithShape="0">
@@ -10850,7 +10850,7 @@
             <a:r>
               <a:rPr sz="2000">
                 <a:solidFill>
-                  <a:srgbClr val="0070C0"/>
+                  <a:schemeClr val="tx1"/>
                 </a:solidFill>
                 <a:effectLst>
                   <a:outerShdw blurRad="38100" dist="25400" dir="5400000" algn="ctr" rotWithShape="0">
@@ -10868,7 +10868,7 @@
             </a:r>
             <a:endParaRPr sz="2000">
               <a:solidFill>
-                <a:srgbClr val="0070C0"/>
+                <a:schemeClr val="tx1"/>
               </a:solidFill>
               <a:effectLst>
                 <a:outerShdw blurRad="38100" dist="25400" dir="5400000" algn="ctr" rotWithShape="0">
@@ -10949,7 +10949,7 @@
             <a:r>
               <a:rPr sz="2000">
                 <a:solidFill>
-                  <a:srgbClr val="0070C0"/>
+                  <a:schemeClr val="tx1"/>
                 </a:solidFill>
                 <a:effectLst>
                   <a:outerShdw blurRad="38100" dist="25400" dir="5400000" algn="ctr" rotWithShape="0">
@@ -10967,7 +10967,7 @@
             </a:r>
             <a:endParaRPr sz="2000">
               <a:solidFill>
-                <a:srgbClr val="0070C0"/>
+                <a:schemeClr val="tx1"/>
               </a:solidFill>
               <a:effectLst>
                 <a:outerShdw blurRad="38100" dist="25400" dir="5400000" algn="ctr" rotWithShape="0">
@@ -12066,7 +12066,7 @@
         <p:spPr>
           <a:xfrm>
             <a:off x="1620000" y="1594260"/>
-            <a:ext cx="8989695" cy="615315"/>
+            <a:ext cx="8989695" cy="2461895"/>
           </a:xfrm>
           <a:prstGeom prst="rect">
             <a:avLst/>
@@ -12102,7 +12102,7 @@
                 <a:cs typeface="微软雅黑" panose="020B0503020204020204" pitchFamily="34" charset="-122"/>
                 <a:sym typeface="+mn-ea"/>
               </a:rPr>
-              <a:t>你的一个决定改变还在的一生</a:t>
+              <a:t>吴晓波说过：未来的游戏行业会很火，为什么了？因为人工智能会替代很多工作岗位，很多人会失业，当然政府会发放低保收入，同时为了社会稳定，会鼓励这些拿低保的人每天玩游戏！你想成为玩游戏的人，还是做游戏的人了？你的决定可能会改变孩子的一生！</a:t>
             </a:r>
             <a:endParaRPr lang="zh-CN" sz="2000">
               <a:solidFill>
@@ -13234,8 +13234,8 @@
         </p:nvSpPr>
         <p:spPr>
           <a:xfrm>
-            <a:off x="4316730" y="1965008"/>
-            <a:ext cx="4014788" cy="2306955"/>
+            <a:off x="4316730" y="1687830"/>
+            <a:ext cx="5165725" cy="2861310"/>
           </a:xfrm>
           <a:prstGeom prst="rect">
             <a:avLst/>
@@ -13243,7 +13243,7 @@
           <a:noFill/>
         </p:spPr>
         <p:txBody>
-          <a:bodyPr anchor="ctr">
+          <a:bodyPr wrap="square" anchor="ctr">
             <a:spAutoFit/>
           </a:bodyPr>
           <a:p>
@@ -13262,12 +13262,16 @@
               <a:defRPr/>
             </a:pPr>
             <a:r>
-              <a:rPr lang="zh-CN" altLang="en-US" sz="2400" dirty="0" smtClean="0">
+              <a:rPr lang="zh-CN" altLang="en-US" sz="2400" kern="0" dirty="0">
+                <a:solidFill>
+                  <a:srgbClr val="000000"/>
+                </a:solidFill>
                 <a:latin typeface="微软雅黑" panose="020B0503020204020204" pitchFamily="34" charset="-122"/>
                 <a:ea typeface="微软雅黑" panose="020B0503020204020204" pitchFamily="34" charset="-122"/>
-                <a:sym typeface="+mn-ea"/>
+                <a:cs typeface="+mn-cs"/>
+                <a:sym typeface="微软雅黑" panose="020B0503020204020204" pitchFamily="34" charset="-122"/>
               </a:rPr>
-              <a:t>了解智能语音识别技术</a:t>
+              <a:t>语音识别的流程是怎样的？</a:t>
             </a:r>
             <a:endParaRPr lang="en-US" altLang="zh-CN" sz="2400" kern="0" dirty="0">
               <a:solidFill>
@@ -13295,12 +13299,16 @@
               <a:defRPr/>
             </a:pPr>
             <a:r>
-              <a:rPr lang="zh-CN" altLang="en-US" sz="2400" dirty="0" smtClean="0">
+              <a:rPr lang="zh-CN" altLang="en-US" sz="2400" kern="0" dirty="0">
+                <a:solidFill>
+                  <a:srgbClr val="000000"/>
+                </a:solidFill>
                 <a:latin typeface="微软雅黑" panose="020B0503020204020204" pitchFamily="34" charset="-122"/>
                 <a:ea typeface="微软雅黑" panose="020B0503020204020204" pitchFamily="34" charset="-122"/>
-                <a:sym typeface="+mn-ea"/>
+                <a:cs typeface="+mn-cs"/>
+                <a:sym typeface="微软雅黑" panose="020B0503020204020204" pitchFamily="34" charset="-122"/>
               </a:rPr>
-              <a:t>字符串模糊查询</a:t>
+              <a:t>字符串是多个字符组成吗？</a:t>
             </a:r>
             <a:endParaRPr lang="en-US" altLang="zh-CN" sz="2400" kern="0" dirty="0">
               <a:solidFill>
@@ -13331,9 +13339,35 @@
               <a:rPr lang="zh-CN" altLang="en-US" sz="2400" dirty="0" smtClean="0">
                 <a:latin typeface="微软雅黑" panose="020B0503020204020204" pitchFamily="34" charset="-122"/>
                 <a:ea typeface="微软雅黑" panose="020B0503020204020204" pitchFamily="34" charset="-122"/>
-                <a:sym typeface="+mn-ea"/>
               </a:rPr>
-              <a:t>项目实践</a:t>
+              <a:t>怎么查找某个字符？</a:t>
+            </a:r>
+            <a:endParaRPr lang="zh-CN" altLang="en-US" sz="2400" dirty="0" smtClean="0">
+              <a:latin typeface="微软雅黑" panose="020B0503020204020204" pitchFamily="34" charset="-122"/>
+              <a:ea typeface="微软雅黑" panose="020B0503020204020204" pitchFamily="34" charset="-122"/>
+            </a:endParaRPr>
+          </a:p>
+          <a:p>
+            <a:pPr marL="342900" indent="-342900" fontAlgn="auto" hangingPunct="0">
+              <a:lnSpc>
+                <a:spcPct val="150000"/>
+              </a:lnSpc>
+              <a:spcBef>
+                <a:spcPts val="0"/>
+              </a:spcBef>
+              <a:spcAft>
+                <a:spcPts val="0"/>
+              </a:spcAft>
+              <a:buFont typeface="Wingdings" panose="05000000000000000000" charset="0"/>
+              <a:buChar char="Ø"/>
+              <a:defRPr/>
+            </a:pPr>
+            <a:r>
+              <a:rPr lang="zh-CN" altLang="en-US" sz="2400" dirty="0" smtClean="0">
+                <a:latin typeface="微软雅黑" panose="020B0503020204020204" pitchFamily="34" charset="-122"/>
+                <a:ea typeface="微软雅黑" panose="020B0503020204020204" pitchFamily="34" charset="-122"/>
+              </a:rPr>
+              <a:t>你们上次作业做了吗？</a:t>
             </a:r>
             <a:endParaRPr lang="zh-CN" altLang="en-US" sz="2400" dirty="0" smtClean="0">
               <a:latin typeface="微软雅黑" panose="020B0503020204020204" pitchFamily="34" charset="-122"/>
@@ -14418,7 +14452,7 @@
             <a:r>
               <a:rPr lang="zh-CN" sz="2000">
                 <a:solidFill>
-                  <a:srgbClr val="0070C0"/>
+                  <a:schemeClr val="tx1"/>
                 </a:solidFill>
                 <a:effectLst>
                   <a:outerShdw blurRad="38100" dist="25400" dir="5400000" algn="ctr" rotWithShape="0">
@@ -14437,7 +14471,7 @@
             <a:r>
               <a:rPr lang="en-US" altLang="zh-CN" sz="2000">
                 <a:solidFill>
-                  <a:srgbClr val="0070C0"/>
+                  <a:schemeClr val="tx1"/>
                 </a:solidFill>
                 <a:effectLst>
                   <a:outerShdw blurRad="38100" dist="25400" dir="5400000" algn="ctr" rotWithShape="0">
@@ -14455,7 +14489,7 @@
             </a:r>
             <a:endParaRPr lang="en-US" altLang="zh-CN" sz="2000">
               <a:solidFill>
-                <a:srgbClr val="0070C0"/>
+                <a:schemeClr val="tx1"/>
               </a:solidFill>
               <a:effectLst>
                 <a:outerShdw blurRad="38100" dist="25400" dir="5400000" algn="ctr" rotWithShape="0">
@@ -14481,7 +14515,7 @@
             <a:r>
               <a:rPr lang="zh-CN" altLang="en-US" sz="2000">
                 <a:solidFill>
-                  <a:srgbClr val="0070C0"/>
+                  <a:schemeClr val="tx1"/>
                 </a:solidFill>
                 <a:effectLst>
                   <a:outerShdw blurRad="38100" dist="25400" dir="5400000" algn="ctr" rotWithShape="0">
@@ -14867,7 +14901,7 @@
             <a:r>
               <a:rPr lang="zh-CN" altLang="en-US" sz="2000">
                 <a:solidFill>
-                  <a:srgbClr val="0070C0"/>
+                  <a:schemeClr val="tx1"/>
                 </a:solidFill>
                 <a:effectLst>
                   <a:outerShdw blurRad="38100" dist="25400" dir="5400000" algn="ctr" rotWithShape="0">
@@ -14886,7 +14920,7 @@
             <a:r>
               <a:rPr lang="en-US" altLang="zh-CN" sz="2000">
                 <a:solidFill>
-                  <a:srgbClr val="0070C0"/>
+                  <a:schemeClr val="tx1"/>
                 </a:solidFill>
                 <a:effectLst>
                   <a:outerShdw blurRad="38100" dist="25400" dir="5400000" algn="ctr" rotWithShape="0">
@@ -14905,7 +14939,7 @@
             <a:r>
               <a:rPr lang="zh-CN" altLang="en-US" sz="2000">
                 <a:solidFill>
-                  <a:srgbClr val="0070C0"/>
+                  <a:schemeClr val="tx1"/>
                 </a:solidFill>
                 <a:effectLst>
                   <a:outerShdw blurRad="38100" dist="25400" dir="5400000" algn="ctr" rotWithShape="0">
@@ -14923,7 +14957,7 @@
             </a:r>
             <a:endParaRPr lang="zh-CN" altLang="en-US" sz="2000">
               <a:solidFill>
-                <a:srgbClr val="0070C0"/>
+                <a:schemeClr val="tx1"/>
               </a:solidFill>
               <a:effectLst>
                 <a:outerShdw blurRad="38100" dist="25400" dir="5400000" algn="ctr" rotWithShape="0">
@@ -14949,7 +14983,7 @@
             <a:r>
               <a:rPr lang="zh-CN" altLang="en-US" sz="2000">
                 <a:solidFill>
-                  <a:srgbClr val="0070C0"/>
+                  <a:schemeClr val="tx1"/>
                 </a:solidFill>
                 <a:effectLst>
                   <a:outerShdw blurRad="38100" dist="25400" dir="5400000" algn="ctr" rotWithShape="0">
@@ -14967,7 +15001,7 @@
             </a:r>
             <a:endParaRPr lang="zh-CN" altLang="en-US" sz="2000">
               <a:solidFill>
-                <a:srgbClr val="0070C0"/>
+                <a:schemeClr val="tx1"/>
               </a:solidFill>
               <a:effectLst>
                 <a:outerShdw blurRad="38100" dist="25400" dir="5400000" algn="ctr" rotWithShape="0">
@@ -14993,7 +15027,7 @@
             <a:r>
               <a:rPr lang="zh-CN" altLang="en-US" sz="2000">
                 <a:solidFill>
-                  <a:srgbClr val="0070C0"/>
+                  <a:schemeClr val="tx1"/>
                 </a:solidFill>
                 <a:effectLst>
                   <a:outerShdw blurRad="38100" dist="25400" dir="5400000" algn="ctr" rotWithShape="0">
@@ -15011,7 +15045,7 @@
             </a:r>
             <a:endParaRPr lang="zh-CN" altLang="en-US" sz="2000">
               <a:solidFill>
-                <a:srgbClr val="0070C0"/>
+                <a:schemeClr val="tx1"/>
               </a:solidFill>
               <a:effectLst>
                 <a:outerShdw blurRad="38100" dist="25400" dir="5400000" algn="ctr" rotWithShape="0">
@@ -15037,7 +15071,7 @@
             <a:r>
               <a:rPr lang="zh-CN" altLang="en-US" sz="2000">
                 <a:solidFill>
-                  <a:srgbClr val="0070C0"/>
+                  <a:schemeClr val="tx1"/>
                 </a:solidFill>
                 <a:effectLst>
                   <a:outerShdw blurRad="38100" dist="25400" dir="5400000" algn="ctr" rotWithShape="0">
@@ -15056,7 +15090,7 @@
             <a:r>
               <a:rPr lang="en-US" altLang="zh-CN" sz="2000">
                 <a:solidFill>
-                  <a:srgbClr val="0070C0"/>
+                  <a:schemeClr val="tx1"/>
                 </a:solidFill>
                 <a:effectLst>
                   <a:outerShdw blurRad="38100" dist="25400" dir="5400000" algn="ctr" rotWithShape="0">
@@ -15075,7 +15109,7 @@
             <a:r>
               <a:rPr lang="zh-CN" altLang="en-US" sz="2000">
                 <a:solidFill>
-                  <a:srgbClr val="0070C0"/>
+                  <a:schemeClr val="tx1"/>
                 </a:solidFill>
                 <a:effectLst>
                   <a:outerShdw blurRad="38100" dist="25400" dir="5400000" algn="ctr" rotWithShape="0">
@@ -15093,7 +15127,7 @@
             </a:r>
             <a:endParaRPr lang="zh-CN" altLang="en-US" sz="2000">
               <a:solidFill>
-                <a:srgbClr val="0070C0"/>
+                <a:schemeClr val="tx1"/>
               </a:solidFill>
               <a:effectLst>
                 <a:outerShdw blurRad="38100" dist="25400" dir="5400000" algn="ctr" rotWithShape="0">
@@ -15119,7 +15153,7 @@
             <a:r>
               <a:rPr lang="zh-CN" altLang="en-US" sz="2000">
                 <a:solidFill>
-                  <a:srgbClr val="0070C0"/>
+                  <a:schemeClr val="tx1"/>
                 </a:solidFill>
                 <a:effectLst>
                   <a:outerShdw blurRad="38100" dist="25400" dir="5400000" algn="ctr" rotWithShape="0">
@@ -15137,7 +15171,7 @@
             </a:r>
             <a:endParaRPr lang="zh-CN" altLang="en-US" sz="2000">
               <a:solidFill>
-                <a:srgbClr val="0070C0"/>
+                <a:schemeClr val="tx1"/>
               </a:solidFill>
               <a:effectLst>
                 <a:outerShdw blurRad="38100" dist="25400" dir="5400000" algn="ctr" rotWithShape="0">
@@ -15483,7 +15517,7 @@
             <a:r>
               <a:rPr lang="zh-CN" altLang="en-US" sz="2000">
                 <a:solidFill>
-                  <a:srgbClr val="0070C0"/>
+                  <a:schemeClr val="tx1"/>
                 </a:solidFill>
                 <a:effectLst>
                   <a:outerShdw blurRad="38100" dist="25400" dir="5400000" algn="ctr" rotWithShape="0">
@@ -15502,7 +15536,7 @@
             <a:r>
               <a:rPr lang="en-US" altLang="zh-CN" sz="2000">
                 <a:solidFill>
-                  <a:srgbClr val="0070C0"/>
+                  <a:schemeClr val="tx1"/>
                 </a:solidFill>
                 <a:effectLst>
                   <a:outerShdw blurRad="38100" dist="25400" dir="5400000" algn="ctr" rotWithShape="0">
@@ -15521,7 +15555,7 @@
             <a:r>
               <a:rPr lang="zh-CN" altLang="en-US" sz="2000">
                 <a:solidFill>
-                  <a:srgbClr val="0070C0"/>
+                  <a:schemeClr val="tx1"/>
                 </a:solidFill>
                 <a:effectLst>
                   <a:outerShdw blurRad="38100" dist="25400" dir="5400000" algn="ctr" rotWithShape="0">
@@ -15535,30 +15569,11 @@
                 <a:cs typeface="微软雅黑" panose="020B0503020204020204" pitchFamily="34" charset="-122"/>
                 <a:sym typeface="+mn-ea"/>
               </a:rPr>
-              <a:t>智能</a:t>
-            </a:r>
-            <a:r>
-              <a:rPr lang="zh-CN" altLang="en-US" sz="2000">
-                <a:solidFill>
-                  <a:srgbClr val="0070C0"/>
-                </a:solidFill>
-                <a:effectLst>
-                  <a:outerShdw blurRad="38100" dist="25400" dir="5400000" algn="ctr" rotWithShape="0">
-                    <a:srgbClr val="6E747A">
-                      <a:alpha val="43000"/>
-                    </a:srgbClr>
-                  </a:outerShdw>
-                </a:effectLst>
-                <a:latin typeface="微软雅黑" panose="020B0503020204020204" pitchFamily="34" charset="-122"/>
-                <a:ea typeface="微软雅黑" panose="020B0503020204020204" pitchFamily="34" charset="-122"/>
-                <a:cs typeface="微软雅黑" panose="020B0503020204020204" pitchFamily="34" charset="-122"/>
-                <a:sym typeface="+mn-ea"/>
-              </a:rPr>
-              <a:t>语音库</a:t>
+              <a:t>智能语音库</a:t>
             </a:r>
             <a:endParaRPr lang="zh-CN" altLang="en-US" sz="2000">
               <a:solidFill>
-                <a:srgbClr val="0070C0"/>
+                <a:schemeClr val="tx1"/>
               </a:solidFill>
               <a:effectLst>
                 <a:outerShdw blurRad="38100" dist="25400" dir="5400000" algn="ctr" rotWithShape="0">
@@ -15584,7 +15599,7 @@
             <a:r>
               <a:rPr lang="zh-CN" altLang="en-US" sz="2000">
                 <a:solidFill>
-                  <a:srgbClr val="0070C0"/>
+                  <a:schemeClr val="tx1"/>
                 </a:solidFill>
                 <a:effectLst>
                   <a:outerShdw blurRad="38100" dist="25400" dir="5400000" algn="ctr" rotWithShape="0">
@@ -15602,7 +15617,7 @@
             </a:r>
             <a:endParaRPr lang="zh-CN" altLang="en-US" sz="2000">
               <a:solidFill>
-                <a:srgbClr val="0070C0"/>
+                <a:schemeClr val="tx1"/>
               </a:solidFill>
               <a:effectLst>
                 <a:outerShdw blurRad="38100" dist="25400" dir="5400000" algn="ctr" rotWithShape="0">
@@ -15628,7 +15643,7 @@
             <a:r>
               <a:rPr lang="zh-CN" altLang="en-US" sz="2000">
                 <a:solidFill>
-                  <a:srgbClr val="0070C0"/>
+                  <a:schemeClr val="tx1"/>
                 </a:solidFill>
                 <a:effectLst>
                   <a:outerShdw blurRad="38100" dist="25400" dir="5400000" algn="ctr" rotWithShape="0">
@@ -15646,7 +15661,7 @@
             </a:r>
             <a:endParaRPr lang="zh-CN" altLang="en-US" sz="2000">
               <a:solidFill>
-                <a:srgbClr val="0070C0"/>
+                <a:schemeClr val="tx1"/>
               </a:solidFill>
               <a:effectLst>
                 <a:outerShdw blurRad="38100" dist="25400" dir="5400000" algn="ctr" rotWithShape="0">
@@ -15672,7 +15687,7 @@
             <a:r>
               <a:rPr lang="zh-CN" sz="2000">
                 <a:solidFill>
-                  <a:srgbClr val="0070C0"/>
+                  <a:schemeClr val="tx1"/>
                 </a:solidFill>
                 <a:effectLst>
                   <a:outerShdw blurRad="38100" dist="25400" dir="5400000" algn="ctr" rotWithShape="0">
@@ -15690,7 +15705,7 @@
             </a:r>
             <a:endParaRPr lang="zh-CN" altLang="en-US" sz="2000">
               <a:solidFill>
-                <a:srgbClr val="0070C0"/>
+                <a:schemeClr val="tx1"/>
               </a:solidFill>
               <a:effectLst>
                 <a:outerShdw blurRad="38100" dist="25400" dir="5400000" algn="ctr" rotWithShape="0">
@@ -15716,7 +15731,7 @@
             <a:r>
               <a:rPr lang="zh-CN" altLang="en-US" sz="2000">
                 <a:solidFill>
-                  <a:srgbClr val="0070C0"/>
+                  <a:schemeClr val="tx1"/>
                 </a:solidFill>
                 <a:effectLst>
                   <a:outerShdw blurRad="38100" dist="25400" dir="5400000" algn="ctr" rotWithShape="0">
@@ -15734,7 +15749,7 @@
             </a:r>
             <a:endParaRPr lang="zh-CN" altLang="en-US" sz="2000">
               <a:solidFill>
-                <a:srgbClr val="0070C0"/>
+                <a:schemeClr val="tx1"/>
               </a:solidFill>
               <a:effectLst>
                 <a:outerShdw blurRad="38100" dist="25400" dir="5400000" algn="ctr" rotWithShape="0">
@@ -16883,7 +16898,7 @@
             <a:r>
               <a:rPr sz="2000">
                 <a:solidFill>
-                  <a:srgbClr val="0070C0"/>
+                  <a:schemeClr val="tx1"/>
                 </a:solidFill>
                 <a:effectLst>
                   <a:outerShdw blurRad="38100" dist="25400" dir="5400000" algn="ctr" rotWithShape="0">
@@ -16901,7 +16916,7 @@
             </a:r>
             <a:endParaRPr sz="2000">
               <a:solidFill>
-                <a:srgbClr val="0070C0"/>
+                <a:schemeClr val="tx1"/>
               </a:solidFill>
               <a:effectLst>
                 <a:outerShdw blurRad="38100" dist="25400" dir="5400000" algn="ctr" rotWithShape="0">
@@ -16927,7 +16942,7 @@
             <a:r>
               <a:rPr sz="2000">
                 <a:solidFill>
-                  <a:srgbClr val="0070C0"/>
+                  <a:schemeClr val="tx1"/>
                 </a:solidFill>
                 <a:effectLst>
                   <a:outerShdw blurRad="38100" dist="25400" dir="5400000" algn="ctr" rotWithShape="0">
@@ -16945,7 +16960,7 @@
             </a:r>
             <a:endParaRPr sz="2000">
               <a:solidFill>
-                <a:srgbClr val="0070C0"/>
+                <a:schemeClr val="tx1"/>
               </a:solidFill>
               <a:effectLst>
                 <a:outerShdw blurRad="38100" dist="25400" dir="5400000" algn="ctr" rotWithShape="0">
@@ -16971,7 +16986,7 @@
             <a:r>
               <a:rPr sz="2000">
                 <a:solidFill>
-                  <a:srgbClr val="0070C0"/>
+                  <a:schemeClr val="tx1"/>
                 </a:solidFill>
                 <a:effectLst>
                   <a:outerShdw blurRad="38100" dist="25400" dir="5400000" algn="ctr" rotWithShape="0">
@@ -16989,7 +17004,7 @@
             </a:r>
             <a:endParaRPr sz="2000">
               <a:solidFill>
-                <a:srgbClr val="0070C0"/>
+                <a:schemeClr val="tx1"/>
               </a:solidFill>
               <a:effectLst>
                 <a:outerShdw blurRad="38100" dist="25400" dir="5400000" algn="ctr" rotWithShape="0">
@@ -17015,7 +17030,7 @@
             <a:r>
               <a:rPr sz="2000">
                 <a:solidFill>
-                  <a:srgbClr val="0070C0"/>
+                  <a:schemeClr val="tx1"/>
                 </a:solidFill>
                 <a:effectLst>
                   <a:outerShdw blurRad="38100" dist="25400" dir="5400000" algn="ctr" rotWithShape="0">
@@ -17033,7 +17048,7 @@
             </a:r>
             <a:endParaRPr sz="2000">
               <a:solidFill>
-                <a:srgbClr val="0070C0"/>
+                <a:schemeClr val="tx1"/>
               </a:solidFill>
               <a:effectLst>
                 <a:outerShdw blurRad="38100" dist="25400" dir="5400000" algn="ctr" rotWithShape="0">
@@ -17078,7 +17093,7 @@
             <a:r>
               <a:rPr lang="zh-CN" altLang="en-US">
                 <a:solidFill>
-                  <a:srgbClr val="0070C0"/>
+                  <a:schemeClr val="tx1"/>
                 </a:solidFill>
                 <a:effectLst>
                   <a:outerShdw blurRad="38100" dist="25400" dir="5400000" algn="ctr" rotWithShape="0">
@@ -17094,7 +17109,22 @@
               </a:rPr>
               <a:t>设置熊猫的图片</a:t>
             </a:r>
-            <a:endParaRPr lang="zh-CN" altLang="en-US"/>
+            <a:endParaRPr lang="zh-CN" altLang="en-US">
+              <a:solidFill>
+                <a:schemeClr val="tx1"/>
+              </a:solidFill>
+              <a:effectLst>
+                <a:outerShdw blurRad="38100" dist="25400" dir="5400000" algn="ctr" rotWithShape="0">
+                  <a:srgbClr val="6E747A">
+                    <a:alpha val="43000"/>
+                  </a:srgbClr>
+                </a:outerShdw>
+              </a:effectLst>
+              <a:latin typeface="微软雅黑" panose="020B0503020204020204" pitchFamily="34" charset="-122"/>
+              <a:ea typeface="微软雅黑" panose="020B0503020204020204" pitchFamily="34" charset="-122"/>
+              <a:cs typeface="微软雅黑" panose="020B0503020204020204" pitchFamily="34" charset="-122"/>
+              <a:sym typeface="+mn-ea"/>
+            </a:endParaRPr>
           </a:p>
         </p:txBody>
       </p:sp>
@@ -17168,7 +17198,7 @@
             <a:r>
               <a:rPr sz="2000">
                 <a:solidFill>
-                  <a:srgbClr val="0070C0"/>
+                  <a:schemeClr val="tx1"/>
                 </a:solidFill>
                 <a:effectLst>
                   <a:outerShdw blurRad="38100" dist="25400" dir="5400000" algn="ctr" rotWithShape="0">
@@ -17187,7 +17217,7 @@
             <a:r>
               <a:rPr lang="zh-CN" sz="2000">
                 <a:solidFill>
-                  <a:srgbClr val="0070C0"/>
+                  <a:schemeClr val="tx1"/>
                 </a:solidFill>
                 <a:effectLst>
                   <a:outerShdw blurRad="38100" dist="25400" dir="5400000" algn="ctr" rotWithShape="0">
@@ -17205,7 +17235,7 @@
             </a:r>
             <a:endParaRPr sz="2000">
               <a:solidFill>
-                <a:srgbClr val="0070C0"/>
+                <a:schemeClr val="tx1"/>
               </a:solidFill>
               <a:effectLst>
                 <a:outerShdw blurRad="38100" dist="25400" dir="5400000" algn="ctr" rotWithShape="0">
@@ -17231,7 +17261,7 @@
             <a:r>
               <a:rPr sz="2000">
                 <a:solidFill>
-                  <a:srgbClr val="0070C0"/>
+                  <a:schemeClr val="tx1"/>
                 </a:solidFill>
                 <a:effectLst>
                   <a:outerShdw blurRad="38100" dist="25400" dir="5400000" algn="ctr" rotWithShape="0">
@@ -17250,7 +17280,7 @@
             <a:r>
               <a:rPr lang="en-US" sz="2000">
                 <a:solidFill>
-                  <a:srgbClr val="0070C0"/>
+                  <a:schemeClr val="tx1"/>
                 </a:solidFill>
                 <a:effectLst>
                   <a:outerShdw blurRad="38100" dist="25400" dir="5400000" algn="ctr" rotWithShape="0">
@@ -17269,7 +17299,7 @@
             <a:r>
               <a:rPr sz="2000">
                 <a:solidFill>
-                  <a:srgbClr val="0070C0"/>
+                  <a:schemeClr val="tx1"/>
                 </a:solidFill>
                 <a:effectLst>
                   <a:outerShdw blurRad="38100" dist="25400" dir="5400000" algn="ctr" rotWithShape="0">
@@ -17287,7 +17317,7 @@
             </a:r>
             <a:endParaRPr sz="2000">
               <a:solidFill>
-                <a:srgbClr val="0070C0"/>
+                <a:schemeClr val="tx1"/>
               </a:solidFill>
               <a:effectLst>
                 <a:outerShdw blurRad="38100" dist="25400" dir="5400000" algn="ctr" rotWithShape="0">
@@ -17332,7 +17362,7 @@
             <a:r>
               <a:rPr lang="zh-CN" altLang="en-US">
                 <a:solidFill>
-                  <a:srgbClr val="0070C0"/>
+                  <a:schemeClr val="tx1"/>
                 </a:solidFill>
                 <a:effectLst>
                   <a:outerShdw blurRad="38100" dist="25400" dir="5400000" algn="ctr" rotWithShape="0">
@@ -17348,7 +17378,22 @@
               </a:rPr>
               <a:t>设置熊猫的图片</a:t>
             </a:r>
-            <a:endParaRPr lang="zh-CN" altLang="en-US"/>
+            <a:endParaRPr lang="zh-CN" altLang="en-US">
+              <a:solidFill>
+                <a:schemeClr val="tx1"/>
+              </a:solidFill>
+              <a:effectLst>
+                <a:outerShdw blurRad="38100" dist="25400" dir="5400000" algn="ctr" rotWithShape="0">
+                  <a:srgbClr val="6E747A">
+                    <a:alpha val="43000"/>
+                  </a:srgbClr>
+                </a:outerShdw>
+              </a:effectLst>
+              <a:latin typeface="微软雅黑" panose="020B0503020204020204" pitchFamily="34" charset="-122"/>
+              <a:ea typeface="微软雅黑" panose="020B0503020204020204" pitchFamily="34" charset="-122"/>
+              <a:cs typeface="微软雅黑" panose="020B0503020204020204" pitchFamily="34" charset="-122"/>
+              <a:sym typeface="+mn-ea"/>
+            </a:endParaRPr>
           </a:p>
         </p:txBody>
       </p:sp>
